--- a/1. 해시맵.pptx
+++ b/1. 해시맵.pptx
@@ -16,12 +16,11 @@
     <p:sldId id="264" r:id="rId13"/>
     <p:sldId id="265" r:id="rId14"/>
     <p:sldId id="266" r:id="rId15"/>
-    <p:sldId id="267" r:id="rId16"/>
-    <p:sldId id="268" r:id="rId17"/>
-    <p:sldId id="270" r:id="rId18"/>
-    <p:sldId id="269" r:id="rId19"/>
-    <p:sldId id="272" r:id="rId20"/>
-    <p:sldId id="271" r:id="rId21"/>
+    <p:sldId id="268" r:id="rId16"/>
+    <p:sldId id="270" r:id="rId17"/>
+    <p:sldId id="269" r:id="rId18"/>
+    <p:sldId id="272" r:id="rId19"/>
+    <p:sldId id="271" r:id="rId20"/>
   </p:sldIdLst>
   <p:sldSz cx="12192000" cy="6858000"/>
   <p:notesSz cx="6858000" cy="9144000"/>
@@ -3825,7 +3824,7 @@
             </a:pPr>
             <a:r>
               <a:rPr lang="en-US" altLang="ko-KR" dirty="0"/>
-              <a:t>2. </a:t>
+              <a:t>3. </a:t>
             </a:r>
             <a:r>
               <a:rPr lang="ko-KR" altLang="en-US" dirty="0"/>
@@ -4449,1410 +4448,6 @@
         <p:cNvPr id="1" name="">
           <a:extLst>
             <a:ext uri="{FF2B5EF4-FFF2-40B4-BE49-F238E27FC236}">
-              <a16:creationId xmlns:a16="http://schemas.microsoft.com/office/drawing/2014/main" id="{CA971DE2-0057-4B17-6373-E1A821A3DC26}"/>
-            </a:ext>
-          </a:extLst>
-        </p:cNvPr>
-        <p:cNvGrpSpPr/>
-        <p:nvPr/>
-      </p:nvGrpSpPr>
-      <p:grpSpPr>
-        <a:xfrm>
-          <a:off x="0" y="0"/>
-          <a:ext cx="0" cy="0"/>
-          <a:chOff x="0" y="0"/>
-          <a:chExt cx="0" cy="0"/>
-        </a:xfrm>
-      </p:grpSpPr>
-      <p:grpSp>
-        <p:nvGrpSpPr>
-          <p:cNvPr id="9" name="그룹 8">
-            <a:extLst>
-              <a:ext uri="{FF2B5EF4-FFF2-40B4-BE49-F238E27FC236}">
-                <a16:creationId xmlns:a16="http://schemas.microsoft.com/office/drawing/2014/main" id="{DC7D7FB0-248C-D83C-94F7-95D0828944FC}"/>
-              </a:ext>
-            </a:extLst>
-          </p:cNvPr>
-          <p:cNvGrpSpPr/>
-          <p:nvPr/>
-        </p:nvGrpSpPr>
-        <p:grpSpPr>
-          <a:xfrm>
-            <a:off x="-326610" y="338475"/>
-            <a:ext cx="10486610" cy="952057"/>
-            <a:chOff x="-336050" y="338475"/>
-            <a:chExt cx="7417571" cy="952057"/>
-          </a:xfrm>
-        </p:grpSpPr>
-        <p:grpSp>
-          <p:nvGrpSpPr>
-            <p:cNvPr id="8" name="그룹 7">
-              <a:extLst>
-                <a:ext uri="{FF2B5EF4-FFF2-40B4-BE49-F238E27FC236}">
-                  <a16:creationId xmlns:a16="http://schemas.microsoft.com/office/drawing/2014/main" id="{AE9177AE-877E-25EA-FFE4-4081D8A0CDD0}"/>
-                </a:ext>
-              </a:extLst>
-            </p:cNvPr>
-            <p:cNvGrpSpPr/>
-            <p:nvPr/>
-          </p:nvGrpSpPr>
-          <p:grpSpPr>
-            <a:xfrm>
-              <a:off x="-336050" y="338475"/>
-              <a:ext cx="7417571" cy="952057"/>
-              <a:chOff x="-336052" y="338475"/>
-              <a:chExt cx="11264583" cy="952057"/>
-            </a:xfrm>
-          </p:grpSpPr>
-          <p:sp>
-            <p:nvSpPr>
-              <p:cNvPr id="6" name="평행 사변형 5">
-                <a:extLst>
-                  <a:ext uri="{FF2B5EF4-FFF2-40B4-BE49-F238E27FC236}">
-                    <a16:creationId xmlns:a16="http://schemas.microsoft.com/office/drawing/2014/main" id="{736F0182-D5B2-67CB-A964-499DDA3A7B01}"/>
-                  </a:ext>
-                </a:extLst>
-              </p:cNvPr>
-              <p:cNvSpPr/>
-              <p:nvPr/>
-            </p:nvSpPr>
-            <p:spPr>
-              <a:xfrm>
-                <a:off x="-336052" y="433282"/>
-                <a:ext cx="11264583" cy="857250"/>
-              </a:xfrm>
-              <a:prstGeom prst="parallelogram">
-                <a:avLst/>
-              </a:prstGeom>
-              <a:solidFill>
-                <a:schemeClr val="bg1">
-                  <a:lumMod val="65000"/>
-                </a:schemeClr>
-              </a:solidFill>
-              <a:ln>
-                <a:noFill/>
-              </a:ln>
-            </p:spPr>
-            <p:style>
-              <a:lnRef idx="2">
-                <a:schemeClr val="accent1">
-                  <a:shade val="15000"/>
-                </a:schemeClr>
-              </a:lnRef>
-              <a:fillRef idx="1">
-                <a:schemeClr val="accent1"/>
-              </a:fillRef>
-              <a:effectRef idx="0">
-                <a:schemeClr val="accent1"/>
-              </a:effectRef>
-              <a:fontRef idx="minor">
-                <a:schemeClr val="lt1"/>
-              </a:fontRef>
-            </p:style>
-            <p:txBody>
-              <a:bodyPr rtlCol="0" anchor="ctr"/>
-              <a:lstStyle/>
-              <a:p>
-                <a:pPr algn="ctr"/>
-                <a:endParaRPr lang="ko-KR" altLang="en-US" dirty="0"/>
-              </a:p>
-            </p:txBody>
-          </p:sp>
-          <p:sp>
-            <p:nvSpPr>
-              <p:cNvPr id="7" name="평행 사변형 6">
-                <a:extLst>
-                  <a:ext uri="{FF2B5EF4-FFF2-40B4-BE49-F238E27FC236}">
-                    <a16:creationId xmlns:a16="http://schemas.microsoft.com/office/drawing/2014/main" id="{E2FE5FEB-4AA7-A289-ED95-0E4804FA84E3}"/>
-                  </a:ext>
-                </a:extLst>
-              </p:cNvPr>
-              <p:cNvSpPr/>
-              <p:nvPr/>
-            </p:nvSpPr>
-            <p:spPr>
-              <a:xfrm>
-                <a:off x="-309875" y="338475"/>
-                <a:ext cx="11135404" cy="857250"/>
-              </a:xfrm>
-              <a:prstGeom prst="parallelogram">
-                <a:avLst/>
-              </a:prstGeom>
-              <a:solidFill>
-                <a:schemeClr val="bg1">
-                  <a:lumMod val="75000"/>
-                </a:schemeClr>
-              </a:solidFill>
-              <a:ln>
-                <a:noFill/>
-              </a:ln>
-            </p:spPr>
-            <p:style>
-              <a:lnRef idx="2">
-                <a:schemeClr val="accent1">
-                  <a:shade val="15000"/>
-                </a:schemeClr>
-              </a:lnRef>
-              <a:fillRef idx="1">
-                <a:schemeClr val="accent1"/>
-              </a:fillRef>
-              <a:effectRef idx="0">
-                <a:schemeClr val="accent1"/>
-              </a:effectRef>
-              <a:fontRef idx="minor">
-                <a:schemeClr val="lt1"/>
-              </a:fontRef>
-            </p:style>
-            <p:txBody>
-              <a:bodyPr rtlCol="0" anchor="ctr"/>
-              <a:lstStyle/>
-              <a:p>
-                <a:pPr algn="ctr"/>
-                <a:endParaRPr lang="ko-KR" altLang="en-US" dirty="0"/>
-              </a:p>
-            </p:txBody>
-          </p:sp>
-        </p:grpSp>
-        <p:sp>
-          <p:nvSpPr>
-            <p:cNvPr id="2" name="TextBox 1">
-              <a:extLst>
-                <a:ext uri="{FF2B5EF4-FFF2-40B4-BE49-F238E27FC236}">
-                  <a16:creationId xmlns:a16="http://schemas.microsoft.com/office/drawing/2014/main" id="{D9EDEBB3-1A1F-6F98-DA4C-3F3A41E0B295}"/>
-                </a:ext>
-              </a:extLst>
-            </p:cNvPr>
-            <p:cNvSpPr txBox="1"/>
-            <p:nvPr/>
-          </p:nvSpPr>
-          <p:spPr>
-            <a:xfrm>
-              <a:off x="95379" y="550631"/>
-              <a:ext cx="3610178" cy="461665"/>
-            </a:xfrm>
-            <a:prstGeom prst="rect">
-              <a:avLst/>
-            </a:prstGeom>
-            <a:noFill/>
-          </p:spPr>
-          <p:txBody>
-            <a:bodyPr wrap="none" rtlCol="0">
-              <a:spAutoFit/>
-            </a:bodyPr>
-            <a:lstStyle/>
-            <a:p>
-              <a:r>
-                <a:rPr lang="en-US" altLang="ko-KR" sz="2400" b="1" dirty="0"/>
-                <a:t>3-4. </a:t>
-              </a:r>
-              <a:r>
-                <a:rPr lang="ko-KR" altLang="en-US" sz="2400" b="1" dirty="0"/>
-                <a:t>버킷 확장 </a:t>
-              </a:r>
-              <a:r>
-                <a:rPr lang="en-US" altLang="ko-KR" sz="2400" b="1" dirty="0"/>
-                <a:t>(Bucket Expansion)</a:t>
-              </a:r>
-              <a:endParaRPr lang="ko-KR" altLang="en-US" sz="2400" b="1" dirty="0"/>
-            </a:p>
-          </p:txBody>
-        </p:sp>
-      </p:grpSp>
-      <p:sp>
-        <p:nvSpPr>
-          <p:cNvPr id="3" name="TextBox 2">
-            <a:extLst>
-              <a:ext uri="{FF2B5EF4-FFF2-40B4-BE49-F238E27FC236}">
-                <a16:creationId xmlns:a16="http://schemas.microsoft.com/office/drawing/2014/main" id="{B0425AEE-32C8-B102-9F0C-D2CE42CF8B52}"/>
-              </a:ext>
-            </a:extLst>
-          </p:cNvPr>
-          <p:cNvSpPr txBox="1"/>
-          <p:nvPr/>
-        </p:nvSpPr>
-        <p:spPr>
-          <a:xfrm>
-            <a:off x="553371" y="1716462"/>
-            <a:ext cx="9464450" cy="1285288"/>
-          </a:xfrm>
-          <a:prstGeom prst="rect">
-            <a:avLst/>
-          </a:prstGeom>
-          <a:noFill/>
-        </p:spPr>
-        <p:txBody>
-          <a:bodyPr wrap="none" rtlCol="0">
-            <a:spAutoFit/>
-          </a:bodyPr>
-          <a:lstStyle/>
-          <a:p>
-            <a:pPr>
-              <a:lnSpc>
-                <a:spcPct val="150000"/>
-              </a:lnSpc>
-            </a:pPr>
-            <a:r>
-              <a:rPr lang="ko-KR" altLang="en-US" dirty="0"/>
-              <a:t>해시 충돌이 발생했을 때 각 버킷의 크기를 동적으로 확장하여</a:t>
-            </a:r>
-            <a:r>
-              <a:rPr lang="en-US" altLang="ko-KR" dirty="0"/>
-              <a:t>, </a:t>
-            </a:r>
-          </a:p>
-          <a:p>
-            <a:pPr>
-              <a:lnSpc>
-                <a:spcPct val="150000"/>
-              </a:lnSpc>
-            </a:pPr>
-            <a:r>
-              <a:rPr lang="ko-KR" altLang="en-US" dirty="0"/>
-              <a:t>한 버킷에 여러 키</a:t>
-            </a:r>
-            <a:r>
-              <a:rPr lang="en-US" altLang="ko-KR" dirty="0"/>
-              <a:t>-</a:t>
-            </a:r>
-            <a:r>
-              <a:rPr lang="ko-KR" altLang="en-US" dirty="0"/>
-              <a:t>값 쌍을 저장할 수 있게 하는 방식이다</a:t>
-            </a:r>
-            <a:r>
-              <a:rPr lang="en-US" altLang="ko-KR" dirty="0"/>
-              <a:t>. (</a:t>
-            </a:r>
-            <a:r>
-              <a:rPr lang="ko-KR" altLang="en-US" dirty="0" err="1"/>
-              <a:t>체이닝의</a:t>
-            </a:r>
-            <a:r>
-              <a:rPr lang="ko-KR" altLang="en-US" dirty="0"/>
-              <a:t> 아류라고 볼 수 있음</a:t>
-            </a:r>
-            <a:r>
-              <a:rPr lang="en-US" altLang="ko-KR" dirty="0"/>
-              <a:t>)</a:t>
-            </a:r>
-          </a:p>
-          <a:p>
-            <a:pPr>
-              <a:lnSpc>
-                <a:spcPct val="150000"/>
-              </a:lnSpc>
-            </a:pPr>
-            <a:r>
-              <a:rPr lang="ko-KR" altLang="en-US" dirty="0"/>
-              <a:t>버킷을 단순한 슬롯이 아닌</a:t>
-            </a:r>
-            <a:r>
-              <a:rPr lang="en-US" altLang="ko-KR" dirty="0"/>
-              <a:t>, </a:t>
-            </a:r>
-            <a:r>
-              <a:rPr lang="ko-KR" altLang="en-US" dirty="0"/>
-              <a:t>리스트나 트리로 확장할 수 있다</a:t>
-            </a:r>
-            <a:r>
-              <a:rPr lang="en-US" altLang="ko-KR" dirty="0"/>
-              <a:t>.</a:t>
-            </a:r>
-          </a:p>
-        </p:txBody>
-      </p:sp>
-      <p:sp>
-        <p:nvSpPr>
-          <p:cNvPr id="21" name="직사각형 20">
-            <a:extLst>
-              <a:ext uri="{FF2B5EF4-FFF2-40B4-BE49-F238E27FC236}">
-                <a16:creationId xmlns:a16="http://schemas.microsoft.com/office/drawing/2014/main" id="{B042BAF9-6FC3-A0A5-0322-C07D79907491}"/>
-              </a:ext>
-            </a:extLst>
-          </p:cNvPr>
-          <p:cNvSpPr/>
-          <p:nvPr/>
-        </p:nvSpPr>
-        <p:spPr>
-          <a:xfrm>
-            <a:off x="4970352" y="3808182"/>
-            <a:ext cx="1279557" cy="2411549"/>
-          </a:xfrm>
-          <a:prstGeom prst="rect">
-            <a:avLst/>
-          </a:prstGeom>
-          <a:solidFill>
-            <a:schemeClr val="bg1">
-              <a:lumMod val="65000"/>
-            </a:schemeClr>
-          </a:solidFill>
-          <a:ln>
-            <a:noFill/>
-          </a:ln>
-        </p:spPr>
-        <p:style>
-          <a:lnRef idx="2">
-            <a:schemeClr val="accent1">
-              <a:shade val="15000"/>
-            </a:schemeClr>
-          </a:lnRef>
-          <a:fillRef idx="1">
-            <a:schemeClr val="accent1"/>
-          </a:fillRef>
-          <a:effectRef idx="0">
-            <a:schemeClr val="accent1"/>
-          </a:effectRef>
-          <a:fontRef idx="minor">
-            <a:schemeClr val="lt1"/>
-          </a:fontRef>
-        </p:style>
-        <p:txBody>
-          <a:bodyPr rtlCol="0" anchor="ctr"/>
-          <a:lstStyle/>
-          <a:p>
-            <a:pPr algn="ctr"/>
-            <a:r>
-              <a:rPr lang="en-US" altLang="ko-KR" dirty="0"/>
-              <a:t>Hash</a:t>
-            </a:r>
-            <a:r>
-              <a:rPr lang="ko-KR" altLang="en-US" dirty="0"/>
-              <a:t> </a:t>
-            </a:r>
-            <a:r>
-              <a:rPr lang="en-US" altLang="ko-KR" dirty="0"/>
-              <a:t>Function</a:t>
-            </a:r>
-            <a:endParaRPr lang="ko-KR" altLang="en-US" dirty="0"/>
-          </a:p>
-        </p:txBody>
-      </p:sp>
-      <p:sp>
-        <p:nvSpPr>
-          <p:cNvPr id="26" name="직사각형 25">
-            <a:extLst>
-              <a:ext uri="{FF2B5EF4-FFF2-40B4-BE49-F238E27FC236}">
-                <a16:creationId xmlns:a16="http://schemas.microsoft.com/office/drawing/2014/main" id="{96A3EE6C-D740-8F61-0104-F315579E8A17}"/>
-              </a:ext>
-            </a:extLst>
-          </p:cNvPr>
-          <p:cNvSpPr/>
-          <p:nvPr/>
-        </p:nvSpPr>
-        <p:spPr>
-          <a:xfrm>
-            <a:off x="2884669" y="4831223"/>
-            <a:ext cx="597529" cy="365466"/>
-          </a:xfrm>
-          <a:prstGeom prst="rect">
-            <a:avLst/>
-          </a:prstGeom>
-          <a:ln/>
-        </p:spPr>
-        <p:style>
-          <a:lnRef idx="2">
-            <a:schemeClr val="accent2">
-              <a:shade val="15000"/>
-            </a:schemeClr>
-          </a:lnRef>
-          <a:fillRef idx="1">
-            <a:schemeClr val="accent2"/>
-          </a:fillRef>
-          <a:effectRef idx="0">
-            <a:schemeClr val="accent2"/>
-          </a:effectRef>
-          <a:fontRef idx="minor">
-            <a:schemeClr val="lt1"/>
-          </a:fontRef>
-        </p:style>
-        <p:txBody>
-          <a:bodyPr rtlCol="0" anchor="ctr"/>
-          <a:lstStyle/>
-          <a:p>
-            <a:pPr algn="ctr"/>
-            <a:endParaRPr lang="ko-KR" altLang="en-US"/>
-          </a:p>
-        </p:txBody>
-      </p:sp>
-      <p:cxnSp>
-        <p:nvCxnSpPr>
-          <p:cNvPr id="27" name="직선 화살표 연결선 26">
-            <a:extLst>
-              <a:ext uri="{FF2B5EF4-FFF2-40B4-BE49-F238E27FC236}">
-                <a16:creationId xmlns:a16="http://schemas.microsoft.com/office/drawing/2014/main" id="{0C4C1D00-5D84-2841-850F-DC307253AFEC}"/>
-              </a:ext>
-            </a:extLst>
-          </p:cNvPr>
-          <p:cNvCxnSpPr>
-            <a:stCxn id="26" idx="3"/>
-            <a:endCxn id="21" idx="1"/>
-          </p:cNvCxnSpPr>
-          <p:nvPr/>
-        </p:nvCxnSpPr>
-        <p:spPr>
-          <a:xfrm>
-            <a:off x="3482198" y="5013956"/>
-            <a:ext cx="1488154" cy="1"/>
-          </a:xfrm>
-          <a:prstGeom prst="straightConnector1">
-            <a:avLst/>
-          </a:prstGeom>
-          <a:ln>
-            <a:tailEnd type="triangle"/>
-          </a:ln>
-        </p:spPr>
-        <p:style>
-          <a:lnRef idx="2">
-            <a:schemeClr val="accent2"/>
-          </a:lnRef>
-          <a:fillRef idx="0">
-            <a:schemeClr val="accent2"/>
-          </a:fillRef>
-          <a:effectRef idx="1">
-            <a:schemeClr val="accent2"/>
-          </a:effectRef>
-          <a:fontRef idx="minor">
-            <a:schemeClr val="tx1"/>
-          </a:fontRef>
-        </p:style>
-      </p:cxnSp>
-      <p:sp>
-        <p:nvSpPr>
-          <p:cNvPr id="28" name="TextBox 27">
-            <a:extLst>
-              <a:ext uri="{FF2B5EF4-FFF2-40B4-BE49-F238E27FC236}">
-                <a16:creationId xmlns:a16="http://schemas.microsoft.com/office/drawing/2014/main" id="{043C2518-2C36-9A5F-E51B-19F192F06AB3}"/>
-              </a:ext>
-            </a:extLst>
-          </p:cNvPr>
-          <p:cNvSpPr txBox="1"/>
-          <p:nvPr/>
-        </p:nvSpPr>
-        <p:spPr>
-          <a:xfrm>
-            <a:off x="7302876" y="3401429"/>
-            <a:ext cx="1297150" cy="307777"/>
-          </a:xfrm>
-          <a:prstGeom prst="rect">
-            <a:avLst/>
-          </a:prstGeom>
-          <a:noFill/>
-        </p:spPr>
-        <p:txBody>
-          <a:bodyPr wrap="none" rtlCol="0">
-            <a:spAutoFit/>
-          </a:bodyPr>
-          <a:lstStyle/>
-          <a:p>
-            <a:r>
-              <a:rPr lang="en-US" altLang="ko-KR" sz="1400" dirty="0"/>
-              <a:t>Collision </a:t>
-            </a:r>
-            <a:r>
-              <a:rPr lang="ko-KR" altLang="en-US" sz="1400" dirty="0"/>
-              <a:t>발생</a:t>
-            </a:r>
-          </a:p>
-        </p:txBody>
-      </p:sp>
-      <p:cxnSp>
-        <p:nvCxnSpPr>
-          <p:cNvPr id="29" name="직선 화살표 연결선 28">
-            <a:extLst>
-              <a:ext uri="{FF2B5EF4-FFF2-40B4-BE49-F238E27FC236}">
-                <a16:creationId xmlns:a16="http://schemas.microsoft.com/office/drawing/2014/main" id="{ECBC1555-07B6-D462-AADC-66A87D617398}"/>
-              </a:ext>
-            </a:extLst>
-          </p:cNvPr>
-          <p:cNvCxnSpPr>
-            <a:cxnSpLocks/>
-            <a:stCxn id="21" idx="3"/>
-          </p:cNvCxnSpPr>
-          <p:nvPr/>
-        </p:nvCxnSpPr>
-        <p:spPr>
-          <a:xfrm flipV="1">
-            <a:off x="6249909" y="3973634"/>
-            <a:ext cx="281520" cy="1040323"/>
-          </a:xfrm>
-          <a:prstGeom prst="straightConnector1">
-            <a:avLst/>
-          </a:prstGeom>
-          <a:ln>
-            <a:tailEnd type="triangle"/>
-          </a:ln>
-        </p:spPr>
-        <p:style>
-          <a:lnRef idx="2">
-            <a:schemeClr val="accent2"/>
-          </a:lnRef>
-          <a:fillRef idx="0">
-            <a:schemeClr val="accent2"/>
-          </a:fillRef>
-          <a:effectRef idx="1">
-            <a:schemeClr val="accent2"/>
-          </a:effectRef>
-          <a:fontRef idx="minor">
-            <a:schemeClr val="tx1"/>
-          </a:fontRef>
-        </p:style>
-      </p:cxnSp>
-      <p:grpSp>
-        <p:nvGrpSpPr>
-          <p:cNvPr id="31" name="그룹 30">
-            <a:extLst>
-              <a:ext uri="{FF2B5EF4-FFF2-40B4-BE49-F238E27FC236}">
-                <a16:creationId xmlns:a16="http://schemas.microsoft.com/office/drawing/2014/main" id="{BBC00173-B6F7-FAB1-D7F0-544004B8566B}"/>
-              </a:ext>
-            </a:extLst>
-          </p:cNvPr>
-          <p:cNvGrpSpPr/>
-          <p:nvPr/>
-        </p:nvGrpSpPr>
-        <p:grpSpPr>
-          <a:xfrm>
-            <a:off x="6411704" y="3643561"/>
-            <a:ext cx="2143526" cy="656679"/>
-            <a:chOff x="6411704" y="3643561"/>
-            <a:chExt cx="2143526" cy="656679"/>
-          </a:xfrm>
-        </p:grpSpPr>
-        <p:sp>
-          <p:nvSpPr>
-            <p:cNvPr id="22" name="직사각형 21">
-              <a:extLst>
-                <a:ext uri="{FF2B5EF4-FFF2-40B4-BE49-F238E27FC236}">
-                  <a16:creationId xmlns:a16="http://schemas.microsoft.com/office/drawing/2014/main" id="{285AA133-D28A-58A3-80B1-66CD0B18ACB7}"/>
-                </a:ext>
-              </a:extLst>
-            </p:cNvPr>
-            <p:cNvSpPr/>
-            <p:nvPr/>
-          </p:nvSpPr>
-          <p:spPr>
-            <a:xfrm>
-              <a:off x="6743846" y="3790901"/>
-              <a:ext cx="597529" cy="365466"/>
-            </a:xfrm>
-            <a:prstGeom prst="rect">
-              <a:avLst/>
-            </a:prstGeom>
-            <a:solidFill>
-              <a:schemeClr val="bg1">
-                <a:lumMod val="85000"/>
-              </a:schemeClr>
-            </a:solidFill>
-            <a:ln>
-              <a:noFill/>
-            </a:ln>
-          </p:spPr>
-          <p:style>
-            <a:lnRef idx="2">
-              <a:schemeClr val="accent1">
-                <a:shade val="15000"/>
-              </a:schemeClr>
-            </a:lnRef>
-            <a:fillRef idx="1">
-              <a:schemeClr val="accent1"/>
-            </a:fillRef>
-            <a:effectRef idx="0">
-              <a:schemeClr val="accent1"/>
-            </a:effectRef>
-            <a:fontRef idx="minor">
-              <a:schemeClr val="lt1"/>
-            </a:fontRef>
-          </p:style>
-          <p:txBody>
-            <a:bodyPr rtlCol="0" anchor="ctr"/>
-            <a:lstStyle/>
-            <a:p>
-              <a:pPr algn="ctr"/>
-              <a:endParaRPr lang="ko-KR" altLang="en-US"/>
-            </a:p>
-          </p:txBody>
-        </p:sp>
-        <p:sp>
-          <p:nvSpPr>
-            <p:cNvPr id="10" name="TextBox 9">
-              <a:extLst>
-                <a:ext uri="{FF2B5EF4-FFF2-40B4-BE49-F238E27FC236}">
-                  <a16:creationId xmlns:a16="http://schemas.microsoft.com/office/drawing/2014/main" id="{384DF8C6-97FC-E96F-A1CB-097BD035991D}"/>
-                </a:ext>
-              </a:extLst>
-            </p:cNvPr>
-            <p:cNvSpPr txBox="1"/>
-            <p:nvPr/>
-          </p:nvSpPr>
-          <p:spPr>
-            <a:xfrm>
-              <a:off x="6411704" y="3643561"/>
-              <a:ext cx="332142" cy="584775"/>
-            </a:xfrm>
-            <a:prstGeom prst="rect">
-              <a:avLst/>
-            </a:prstGeom>
-            <a:noFill/>
-          </p:spPr>
-          <p:txBody>
-            <a:bodyPr wrap="none" rtlCol="0">
-              <a:spAutoFit/>
-            </a:bodyPr>
-            <a:lstStyle/>
-            <a:p>
-              <a:r>
-                <a:rPr lang="en-US" altLang="ko-KR" sz="3200" b="1" dirty="0"/>
-                <a:t>[</a:t>
-              </a:r>
-              <a:endParaRPr lang="ko-KR" altLang="en-US" sz="3200" b="1" dirty="0"/>
-            </a:p>
-          </p:txBody>
-        </p:sp>
-        <p:sp>
-          <p:nvSpPr>
-            <p:cNvPr id="30" name="TextBox 29">
-              <a:extLst>
-                <a:ext uri="{FF2B5EF4-FFF2-40B4-BE49-F238E27FC236}">
-                  <a16:creationId xmlns:a16="http://schemas.microsoft.com/office/drawing/2014/main" id="{8358DA88-03A9-59A2-89A1-B68313547F37}"/>
-                </a:ext>
-              </a:extLst>
-            </p:cNvPr>
-            <p:cNvSpPr txBox="1"/>
-            <p:nvPr/>
-          </p:nvSpPr>
-          <p:spPr>
-            <a:xfrm flipV="1">
-              <a:off x="8223088" y="3715465"/>
-              <a:ext cx="332142" cy="584775"/>
-            </a:xfrm>
-            <a:prstGeom prst="rect">
-              <a:avLst/>
-            </a:prstGeom>
-            <a:noFill/>
-          </p:spPr>
-          <p:txBody>
-            <a:bodyPr wrap="square" rtlCol="0">
-              <a:spAutoFit/>
-            </a:bodyPr>
-            <a:lstStyle/>
-            <a:p>
-              <a:r>
-                <a:rPr lang="en-US" altLang="ko-KR" sz="3200" b="1" dirty="0"/>
-                <a:t>[</a:t>
-              </a:r>
-              <a:endParaRPr lang="ko-KR" altLang="en-US" sz="3200" b="1" dirty="0"/>
-            </a:p>
-          </p:txBody>
-        </p:sp>
-      </p:grpSp>
-      <p:grpSp>
-        <p:nvGrpSpPr>
-          <p:cNvPr id="32" name="그룹 31">
-            <a:extLst>
-              <a:ext uri="{FF2B5EF4-FFF2-40B4-BE49-F238E27FC236}">
-                <a16:creationId xmlns:a16="http://schemas.microsoft.com/office/drawing/2014/main" id="{C4EA14E4-AC93-F9B2-F352-ABE6C2C1D084}"/>
-              </a:ext>
-            </a:extLst>
-          </p:cNvPr>
-          <p:cNvGrpSpPr/>
-          <p:nvPr/>
-        </p:nvGrpSpPr>
-        <p:grpSpPr>
-          <a:xfrm>
-            <a:off x="6407405" y="4150388"/>
-            <a:ext cx="1244349" cy="656679"/>
-            <a:chOff x="6411704" y="3643561"/>
-            <a:chExt cx="1244349" cy="656679"/>
-          </a:xfrm>
-        </p:grpSpPr>
-        <p:sp>
-          <p:nvSpPr>
-            <p:cNvPr id="33" name="직사각형 32">
-              <a:extLst>
-                <a:ext uri="{FF2B5EF4-FFF2-40B4-BE49-F238E27FC236}">
-                  <a16:creationId xmlns:a16="http://schemas.microsoft.com/office/drawing/2014/main" id="{87415F30-7D3B-F0B7-FB6F-0782F03B7315}"/>
-                </a:ext>
-              </a:extLst>
-            </p:cNvPr>
-            <p:cNvSpPr/>
-            <p:nvPr/>
-          </p:nvSpPr>
-          <p:spPr>
-            <a:xfrm>
-              <a:off x="6743846" y="3790901"/>
-              <a:ext cx="597529" cy="365466"/>
-            </a:xfrm>
-            <a:prstGeom prst="rect">
-              <a:avLst/>
-            </a:prstGeom>
-            <a:solidFill>
-              <a:schemeClr val="bg1">
-                <a:lumMod val="85000"/>
-              </a:schemeClr>
-            </a:solidFill>
-            <a:ln>
-              <a:noFill/>
-            </a:ln>
-          </p:spPr>
-          <p:style>
-            <a:lnRef idx="2">
-              <a:schemeClr val="accent1">
-                <a:shade val="15000"/>
-              </a:schemeClr>
-            </a:lnRef>
-            <a:fillRef idx="1">
-              <a:schemeClr val="accent1"/>
-            </a:fillRef>
-            <a:effectRef idx="0">
-              <a:schemeClr val="accent1"/>
-            </a:effectRef>
-            <a:fontRef idx="minor">
-              <a:schemeClr val="lt1"/>
-            </a:fontRef>
-          </p:style>
-          <p:txBody>
-            <a:bodyPr rtlCol="0" anchor="ctr"/>
-            <a:lstStyle/>
-            <a:p>
-              <a:pPr algn="ctr"/>
-              <a:endParaRPr lang="ko-KR" altLang="en-US"/>
-            </a:p>
-          </p:txBody>
-        </p:sp>
-        <p:sp>
-          <p:nvSpPr>
-            <p:cNvPr id="34" name="TextBox 33">
-              <a:extLst>
-                <a:ext uri="{FF2B5EF4-FFF2-40B4-BE49-F238E27FC236}">
-                  <a16:creationId xmlns:a16="http://schemas.microsoft.com/office/drawing/2014/main" id="{E23A0F8F-A9E1-AF0B-D503-536AA3FAD06E}"/>
-                </a:ext>
-              </a:extLst>
-            </p:cNvPr>
-            <p:cNvSpPr txBox="1"/>
-            <p:nvPr/>
-          </p:nvSpPr>
-          <p:spPr>
-            <a:xfrm>
-              <a:off x="6411704" y="3643561"/>
-              <a:ext cx="332142" cy="584775"/>
-            </a:xfrm>
-            <a:prstGeom prst="rect">
-              <a:avLst/>
-            </a:prstGeom>
-            <a:noFill/>
-          </p:spPr>
-          <p:txBody>
-            <a:bodyPr wrap="none" rtlCol="0">
-              <a:spAutoFit/>
-            </a:bodyPr>
-            <a:lstStyle/>
-            <a:p>
-              <a:r>
-                <a:rPr lang="en-US" altLang="ko-KR" sz="3200" b="1" dirty="0"/>
-                <a:t>[</a:t>
-              </a:r>
-              <a:endParaRPr lang="ko-KR" altLang="en-US" sz="3200" b="1" dirty="0"/>
-            </a:p>
-          </p:txBody>
-        </p:sp>
-        <p:sp>
-          <p:nvSpPr>
-            <p:cNvPr id="35" name="TextBox 34">
-              <a:extLst>
-                <a:ext uri="{FF2B5EF4-FFF2-40B4-BE49-F238E27FC236}">
-                  <a16:creationId xmlns:a16="http://schemas.microsoft.com/office/drawing/2014/main" id="{31BD6BAE-6430-E488-B09F-62EF57AA52F3}"/>
-                </a:ext>
-              </a:extLst>
-            </p:cNvPr>
-            <p:cNvSpPr txBox="1"/>
-            <p:nvPr/>
-          </p:nvSpPr>
-          <p:spPr>
-            <a:xfrm flipV="1">
-              <a:off x="7323911" y="3715465"/>
-              <a:ext cx="332142" cy="584775"/>
-            </a:xfrm>
-            <a:prstGeom prst="rect">
-              <a:avLst/>
-            </a:prstGeom>
-            <a:noFill/>
-          </p:spPr>
-          <p:txBody>
-            <a:bodyPr wrap="square" rtlCol="0">
-              <a:spAutoFit/>
-            </a:bodyPr>
-            <a:lstStyle/>
-            <a:p>
-              <a:r>
-                <a:rPr lang="en-US" altLang="ko-KR" sz="3200" b="1" dirty="0"/>
-                <a:t>[</a:t>
-              </a:r>
-              <a:endParaRPr lang="ko-KR" altLang="en-US" sz="3200" b="1" dirty="0"/>
-            </a:p>
-          </p:txBody>
-        </p:sp>
-      </p:grpSp>
-      <p:grpSp>
-        <p:nvGrpSpPr>
-          <p:cNvPr id="36" name="그룹 35">
-            <a:extLst>
-              <a:ext uri="{FF2B5EF4-FFF2-40B4-BE49-F238E27FC236}">
-                <a16:creationId xmlns:a16="http://schemas.microsoft.com/office/drawing/2014/main" id="{5E9EE733-7821-C544-5054-449685EB579D}"/>
-              </a:ext>
-            </a:extLst>
-          </p:cNvPr>
-          <p:cNvGrpSpPr/>
-          <p:nvPr/>
-        </p:nvGrpSpPr>
-        <p:grpSpPr>
-          <a:xfrm>
-            <a:off x="6416136" y="4657215"/>
-            <a:ext cx="2891195" cy="672915"/>
-            <a:chOff x="6411704" y="3643561"/>
-            <a:chExt cx="2891195" cy="672915"/>
-          </a:xfrm>
-        </p:grpSpPr>
-        <p:sp>
-          <p:nvSpPr>
-            <p:cNvPr id="37" name="직사각형 36">
-              <a:extLst>
-                <a:ext uri="{FF2B5EF4-FFF2-40B4-BE49-F238E27FC236}">
-                  <a16:creationId xmlns:a16="http://schemas.microsoft.com/office/drawing/2014/main" id="{0E3CA537-6484-0BAC-C56E-DF8695DE06D1}"/>
-                </a:ext>
-              </a:extLst>
-            </p:cNvPr>
-            <p:cNvSpPr/>
-            <p:nvPr/>
-          </p:nvSpPr>
-          <p:spPr>
-            <a:xfrm>
-              <a:off x="6743846" y="3790901"/>
-              <a:ext cx="597529" cy="365466"/>
-            </a:xfrm>
-            <a:prstGeom prst="rect">
-              <a:avLst/>
-            </a:prstGeom>
-            <a:solidFill>
-              <a:schemeClr val="bg1">
-                <a:lumMod val="85000"/>
-              </a:schemeClr>
-            </a:solidFill>
-            <a:ln>
-              <a:noFill/>
-            </a:ln>
-          </p:spPr>
-          <p:style>
-            <a:lnRef idx="2">
-              <a:schemeClr val="accent1">
-                <a:shade val="15000"/>
-              </a:schemeClr>
-            </a:lnRef>
-            <a:fillRef idx="1">
-              <a:schemeClr val="accent1"/>
-            </a:fillRef>
-            <a:effectRef idx="0">
-              <a:schemeClr val="accent1"/>
-            </a:effectRef>
-            <a:fontRef idx="minor">
-              <a:schemeClr val="lt1"/>
-            </a:fontRef>
-          </p:style>
-          <p:txBody>
-            <a:bodyPr rtlCol="0" anchor="ctr"/>
-            <a:lstStyle/>
-            <a:p>
-              <a:pPr algn="ctr"/>
-              <a:endParaRPr lang="ko-KR" altLang="en-US"/>
-            </a:p>
-          </p:txBody>
-        </p:sp>
-        <p:sp>
-          <p:nvSpPr>
-            <p:cNvPr id="38" name="TextBox 37">
-              <a:extLst>
-                <a:ext uri="{FF2B5EF4-FFF2-40B4-BE49-F238E27FC236}">
-                  <a16:creationId xmlns:a16="http://schemas.microsoft.com/office/drawing/2014/main" id="{C1E7C291-A056-0FD9-EABD-EA69E0B31E33}"/>
-                </a:ext>
-              </a:extLst>
-            </p:cNvPr>
-            <p:cNvSpPr txBox="1"/>
-            <p:nvPr/>
-          </p:nvSpPr>
-          <p:spPr>
-            <a:xfrm>
-              <a:off x="6411704" y="3643561"/>
-              <a:ext cx="332142" cy="584775"/>
-            </a:xfrm>
-            <a:prstGeom prst="rect">
-              <a:avLst/>
-            </a:prstGeom>
-            <a:noFill/>
-          </p:spPr>
-          <p:txBody>
-            <a:bodyPr wrap="none" rtlCol="0">
-              <a:spAutoFit/>
-            </a:bodyPr>
-            <a:lstStyle/>
-            <a:p>
-              <a:r>
-                <a:rPr lang="en-US" altLang="ko-KR" sz="3200" b="1" dirty="0"/>
-                <a:t>[</a:t>
-              </a:r>
-              <a:endParaRPr lang="ko-KR" altLang="en-US" sz="3200" b="1" dirty="0"/>
-            </a:p>
-          </p:txBody>
-        </p:sp>
-        <p:sp>
-          <p:nvSpPr>
-            <p:cNvPr id="39" name="TextBox 38">
-              <a:extLst>
-                <a:ext uri="{FF2B5EF4-FFF2-40B4-BE49-F238E27FC236}">
-                  <a16:creationId xmlns:a16="http://schemas.microsoft.com/office/drawing/2014/main" id="{3433409C-3388-24AE-FFF3-6B9C1AE0B879}"/>
-                </a:ext>
-              </a:extLst>
-            </p:cNvPr>
-            <p:cNvSpPr txBox="1"/>
-            <p:nvPr/>
-          </p:nvSpPr>
-          <p:spPr>
-            <a:xfrm flipV="1">
-              <a:off x="8970757" y="3731701"/>
-              <a:ext cx="332142" cy="584775"/>
-            </a:xfrm>
-            <a:prstGeom prst="rect">
-              <a:avLst/>
-            </a:prstGeom>
-            <a:noFill/>
-          </p:spPr>
-          <p:txBody>
-            <a:bodyPr wrap="square" rtlCol="0">
-              <a:spAutoFit/>
-            </a:bodyPr>
-            <a:lstStyle/>
-            <a:p>
-              <a:r>
-                <a:rPr lang="en-US" altLang="ko-KR" sz="3200" b="1" dirty="0"/>
-                <a:t>[</a:t>
-              </a:r>
-              <a:endParaRPr lang="ko-KR" altLang="en-US" sz="3200" b="1" dirty="0"/>
-            </a:p>
-          </p:txBody>
-        </p:sp>
-      </p:grpSp>
-      <p:grpSp>
-        <p:nvGrpSpPr>
-          <p:cNvPr id="40" name="그룹 39">
-            <a:extLst>
-              <a:ext uri="{FF2B5EF4-FFF2-40B4-BE49-F238E27FC236}">
-                <a16:creationId xmlns:a16="http://schemas.microsoft.com/office/drawing/2014/main" id="{8B3709C0-82DE-7528-5AC1-1510B679B1EF}"/>
-              </a:ext>
-            </a:extLst>
-          </p:cNvPr>
-          <p:cNvGrpSpPr/>
-          <p:nvPr/>
-        </p:nvGrpSpPr>
-        <p:grpSpPr>
-          <a:xfrm>
-            <a:off x="6390669" y="5597584"/>
-            <a:ext cx="1244349" cy="656679"/>
-            <a:chOff x="6411704" y="3643561"/>
-            <a:chExt cx="1244349" cy="656679"/>
-          </a:xfrm>
-        </p:grpSpPr>
-        <p:sp>
-          <p:nvSpPr>
-            <p:cNvPr id="41" name="직사각형 40">
-              <a:extLst>
-                <a:ext uri="{FF2B5EF4-FFF2-40B4-BE49-F238E27FC236}">
-                  <a16:creationId xmlns:a16="http://schemas.microsoft.com/office/drawing/2014/main" id="{39095E89-F39E-6E9C-6860-D604F368ED0E}"/>
-                </a:ext>
-              </a:extLst>
-            </p:cNvPr>
-            <p:cNvSpPr/>
-            <p:nvPr/>
-          </p:nvSpPr>
-          <p:spPr>
-            <a:xfrm>
-              <a:off x="6743846" y="3790901"/>
-              <a:ext cx="597529" cy="365466"/>
-            </a:xfrm>
-            <a:prstGeom prst="rect">
-              <a:avLst/>
-            </a:prstGeom>
-            <a:solidFill>
-              <a:schemeClr val="bg1">
-                <a:lumMod val="85000"/>
-              </a:schemeClr>
-            </a:solidFill>
-            <a:ln>
-              <a:noFill/>
-            </a:ln>
-          </p:spPr>
-          <p:style>
-            <a:lnRef idx="2">
-              <a:schemeClr val="accent1">
-                <a:shade val="15000"/>
-              </a:schemeClr>
-            </a:lnRef>
-            <a:fillRef idx="1">
-              <a:schemeClr val="accent1"/>
-            </a:fillRef>
-            <a:effectRef idx="0">
-              <a:schemeClr val="accent1"/>
-            </a:effectRef>
-            <a:fontRef idx="minor">
-              <a:schemeClr val="lt1"/>
-            </a:fontRef>
-          </p:style>
-          <p:txBody>
-            <a:bodyPr rtlCol="0" anchor="ctr"/>
-            <a:lstStyle/>
-            <a:p>
-              <a:pPr algn="ctr"/>
-              <a:endParaRPr lang="ko-KR" altLang="en-US"/>
-            </a:p>
-          </p:txBody>
-        </p:sp>
-        <p:sp>
-          <p:nvSpPr>
-            <p:cNvPr id="42" name="TextBox 41">
-              <a:extLst>
-                <a:ext uri="{FF2B5EF4-FFF2-40B4-BE49-F238E27FC236}">
-                  <a16:creationId xmlns:a16="http://schemas.microsoft.com/office/drawing/2014/main" id="{D030AF1E-A8D3-F566-B0D4-655C04CDF942}"/>
-                </a:ext>
-              </a:extLst>
-            </p:cNvPr>
-            <p:cNvSpPr txBox="1"/>
-            <p:nvPr/>
-          </p:nvSpPr>
-          <p:spPr>
-            <a:xfrm>
-              <a:off x="6411704" y="3643561"/>
-              <a:ext cx="332142" cy="584775"/>
-            </a:xfrm>
-            <a:prstGeom prst="rect">
-              <a:avLst/>
-            </a:prstGeom>
-            <a:noFill/>
-          </p:spPr>
-          <p:txBody>
-            <a:bodyPr wrap="none" rtlCol="0">
-              <a:spAutoFit/>
-            </a:bodyPr>
-            <a:lstStyle/>
-            <a:p>
-              <a:r>
-                <a:rPr lang="en-US" altLang="ko-KR" sz="3200" b="1" dirty="0"/>
-                <a:t>[</a:t>
-              </a:r>
-              <a:endParaRPr lang="ko-KR" altLang="en-US" sz="3200" b="1" dirty="0"/>
-            </a:p>
-          </p:txBody>
-        </p:sp>
-        <p:sp>
-          <p:nvSpPr>
-            <p:cNvPr id="43" name="TextBox 42">
-              <a:extLst>
-                <a:ext uri="{FF2B5EF4-FFF2-40B4-BE49-F238E27FC236}">
-                  <a16:creationId xmlns:a16="http://schemas.microsoft.com/office/drawing/2014/main" id="{9AA50185-8950-AF43-66F6-E91EF198066F}"/>
-                </a:ext>
-              </a:extLst>
-            </p:cNvPr>
-            <p:cNvSpPr txBox="1"/>
-            <p:nvPr/>
-          </p:nvSpPr>
-          <p:spPr>
-            <a:xfrm flipV="1">
-              <a:off x="7323911" y="3715465"/>
-              <a:ext cx="332142" cy="584775"/>
-            </a:xfrm>
-            <a:prstGeom prst="rect">
-              <a:avLst/>
-            </a:prstGeom>
-            <a:noFill/>
-          </p:spPr>
-          <p:txBody>
-            <a:bodyPr wrap="square" rtlCol="0">
-              <a:spAutoFit/>
-            </a:bodyPr>
-            <a:lstStyle/>
-            <a:p>
-              <a:r>
-                <a:rPr lang="en-US" altLang="ko-KR" sz="3200" b="1" dirty="0"/>
-                <a:t>[</a:t>
-              </a:r>
-              <a:endParaRPr lang="ko-KR" altLang="en-US" sz="3200" b="1" dirty="0"/>
-            </a:p>
-          </p:txBody>
-        </p:sp>
-      </p:grpSp>
-      <p:grpSp>
-        <p:nvGrpSpPr>
-          <p:cNvPr id="44" name="그룹 43">
-            <a:extLst>
-              <a:ext uri="{FF2B5EF4-FFF2-40B4-BE49-F238E27FC236}">
-                <a16:creationId xmlns:a16="http://schemas.microsoft.com/office/drawing/2014/main" id="{31E1A903-2A81-A14B-02CB-40A3714B049C}"/>
-              </a:ext>
-            </a:extLst>
-          </p:cNvPr>
-          <p:cNvGrpSpPr/>
-          <p:nvPr/>
-        </p:nvGrpSpPr>
-        <p:grpSpPr>
-          <a:xfrm>
-            <a:off x="6390669" y="5137734"/>
-            <a:ext cx="630843" cy="668675"/>
-            <a:chOff x="6411704" y="3643561"/>
-            <a:chExt cx="630843" cy="668675"/>
-          </a:xfrm>
-        </p:grpSpPr>
-        <p:sp>
-          <p:nvSpPr>
-            <p:cNvPr id="46" name="TextBox 45">
-              <a:extLst>
-                <a:ext uri="{FF2B5EF4-FFF2-40B4-BE49-F238E27FC236}">
-                  <a16:creationId xmlns:a16="http://schemas.microsoft.com/office/drawing/2014/main" id="{4D5C7C3B-B2A5-0CCF-F461-BC51CC5BD471}"/>
-                </a:ext>
-              </a:extLst>
-            </p:cNvPr>
-            <p:cNvSpPr txBox="1"/>
-            <p:nvPr/>
-          </p:nvSpPr>
-          <p:spPr>
-            <a:xfrm>
-              <a:off x="6411704" y="3643561"/>
-              <a:ext cx="332142" cy="584775"/>
-            </a:xfrm>
-            <a:prstGeom prst="rect">
-              <a:avLst/>
-            </a:prstGeom>
-            <a:noFill/>
-          </p:spPr>
-          <p:txBody>
-            <a:bodyPr wrap="none" rtlCol="0">
-              <a:spAutoFit/>
-            </a:bodyPr>
-            <a:lstStyle/>
-            <a:p>
-              <a:r>
-                <a:rPr lang="en-US" altLang="ko-KR" sz="3200" b="1" dirty="0"/>
-                <a:t>[</a:t>
-              </a:r>
-              <a:endParaRPr lang="ko-KR" altLang="en-US" sz="3200" b="1" dirty="0"/>
-            </a:p>
-          </p:txBody>
-        </p:sp>
-        <p:sp>
-          <p:nvSpPr>
-            <p:cNvPr id="47" name="TextBox 46">
-              <a:extLst>
-                <a:ext uri="{FF2B5EF4-FFF2-40B4-BE49-F238E27FC236}">
-                  <a16:creationId xmlns:a16="http://schemas.microsoft.com/office/drawing/2014/main" id="{1B7A5C44-FB02-BEDA-34C3-F2260797142C}"/>
-                </a:ext>
-              </a:extLst>
-            </p:cNvPr>
-            <p:cNvSpPr txBox="1"/>
-            <p:nvPr/>
-          </p:nvSpPr>
-          <p:spPr>
-            <a:xfrm flipV="1">
-              <a:off x="6710405" y="3727461"/>
-              <a:ext cx="332142" cy="584775"/>
-            </a:xfrm>
-            <a:prstGeom prst="rect">
-              <a:avLst/>
-            </a:prstGeom>
-            <a:noFill/>
-          </p:spPr>
-          <p:txBody>
-            <a:bodyPr wrap="square" rtlCol="0">
-              <a:spAutoFit/>
-            </a:bodyPr>
-            <a:lstStyle/>
-            <a:p>
-              <a:r>
-                <a:rPr lang="en-US" altLang="ko-KR" sz="3200" b="1" dirty="0"/>
-                <a:t>[</a:t>
-              </a:r>
-              <a:endParaRPr lang="ko-KR" altLang="en-US" sz="3200" b="1" dirty="0"/>
-            </a:p>
-          </p:txBody>
-        </p:sp>
-      </p:grpSp>
-      <p:sp>
-        <p:nvSpPr>
-          <p:cNvPr id="48" name="직사각형 47">
-            <a:extLst>
-              <a:ext uri="{FF2B5EF4-FFF2-40B4-BE49-F238E27FC236}">
-                <a16:creationId xmlns:a16="http://schemas.microsoft.com/office/drawing/2014/main" id="{EA19198D-A125-3F1A-5CE5-8287B1EF8EE1}"/>
-              </a:ext>
-            </a:extLst>
-          </p:cNvPr>
-          <p:cNvSpPr/>
-          <p:nvPr/>
-        </p:nvSpPr>
-        <p:spPr>
-          <a:xfrm>
-            <a:off x="7536141" y="3801654"/>
-            <a:ext cx="597529" cy="365466"/>
-          </a:xfrm>
-          <a:prstGeom prst="rect">
-            <a:avLst/>
-          </a:prstGeom>
-          <a:ln/>
-        </p:spPr>
-        <p:style>
-          <a:lnRef idx="2">
-            <a:schemeClr val="accent2">
-              <a:shade val="15000"/>
-            </a:schemeClr>
-          </a:lnRef>
-          <a:fillRef idx="1">
-            <a:schemeClr val="accent2"/>
-          </a:fillRef>
-          <a:effectRef idx="0">
-            <a:schemeClr val="accent2"/>
-          </a:effectRef>
-          <a:fontRef idx="minor">
-            <a:schemeClr val="lt1"/>
-          </a:fontRef>
-        </p:style>
-        <p:txBody>
-          <a:bodyPr rtlCol="0" anchor="ctr"/>
-          <a:lstStyle/>
-          <a:p>
-            <a:pPr algn="ctr"/>
-            <a:endParaRPr lang="ko-KR" altLang="en-US"/>
-          </a:p>
-        </p:txBody>
-      </p:sp>
-      <p:sp>
-        <p:nvSpPr>
-          <p:cNvPr id="49" name="직사각형 48">
-            <a:extLst>
-              <a:ext uri="{FF2B5EF4-FFF2-40B4-BE49-F238E27FC236}">
-                <a16:creationId xmlns:a16="http://schemas.microsoft.com/office/drawing/2014/main" id="{CC1ADF0C-5546-4F3E-ABA6-34310108C5A5}"/>
-              </a:ext>
-            </a:extLst>
-          </p:cNvPr>
-          <p:cNvSpPr/>
-          <p:nvPr/>
-        </p:nvSpPr>
-        <p:spPr>
-          <a:xfrm>
-            <a:off x="7562656" y="4813326"/>
-            <a:ext cx="597529" cy="365466"/>
-          </a:xfrm>
-          <a:prstGeom prst="rect">
-            <a:avLst/>
-          </a:prstGeom>
-          <a:solidFill>
-            <a:schemeClr val="bg1">
-              <a:lumMod val="85000"/>
-            </a:schemeClr>
-          </a:solidFill>
-          <a:ln>
-            <a:noFill/>
-          </a:ln>
-        </p:spPr>
-        <p:style>
-          <a:lnRef idx="2">
-            <a:schemeClr val="accent1">
-              <a:shade val="15000"/>
-            </a:schemeClr>
-          </a:lnRef>
-          <a:fillRef idx="1">
-            <a:schemeClr val="accent1"/>
-          </a:fillRef>
-          <a:effectRef idx="0">
-            <a:schemeClr val="accent1"/>
-          </a:effectRef>
-          <a:fontRef idx="minor">
-            <a:schemeClr val="lt1"/>
-          </a:fontRef>
-        </p:style>
-        <p:txBody>
-          <a:bodyPr rtlCol="0" anchor="ctr"/>
-          <a:lstStyle/>
-          <a:p>
-            <a:pPr algn="ctr"/>
-            <a:endParaRPr lang="ko-KR" altLang="en-US"/>
-          </a:p>
-        </p:txBody>
-      </p:sp>
-      <p:sp>
-        <p:nvSpPr>
-          <p:cNvPr id="50" name="직사각형 49">
-            <a:extLst>
-              <a:ext uri="{FF2B5EF4-FFF2-40B4-BE49-F238E27FC236}">
-                <a16:creationId xmlns:a16="http://schemas.microsoft.com/office/drawing/2014/main" id="{ADD4A29F-F956-D825-0E7C-380D8FF85870}"/>
-              </a:ext>
-            </a:extLst>
-          </p:cNvPr>
-          <p:cNvSpPr/>
-          <p:nvPr/>
-        </p:nvSpPr>
-        <p:spPr>
-          <a:xfrm>
-            <a:off x="8372720" y="4831223"/>
-            <a:ext cx="597529" cy="365466"/>
-          </a:xfrm>
-          <a:prstGeom prst="rect">
-            <a:avLst/>
-          </a:prstGeom>
-          <a:solidFill>
-            <a:schemeClr val="bg1">
-              <a:lumMod val="85000"/>
-            </a:schemeClr>
-          </a:solidFill>
-          <a:ln>
-            <a:noFill/>
-          </a:ln>
-        </p:spPr>
-        <p:style>
-          <a:lnRef idx="2">
-            <a:schemeClr val="accent1">
-              <a:shade val="15000"/>
-            </a:schemeClr>
-          </a:lnRef>
-          <a:fillRef idx="1">
-            <a:schemeClr val="accent1"/>
-          </a:fillRef>
-          <a:effectRef idx="0">
-            <a:schemeClr val="accent1"/>
-          </a:effectRef>
-          <a:fontRef idx="minor">
-            <a:schemeClr val="lt1"/>
-          </a:fontRef>
-        </p:style>
-        <p:txBody>
-          <a:bodyPr rtlCol="0" anchor="ctr"/>
-          <a:lstStyle/>
-          <a:p>
-            <a:pPr algn="ctr"/>
-            <a:endParaRPr lang="ko-KR" altLang="en-US"/>
-          </a:p>
-        </p:txBody>
-      </p:sp>
-    </p:spTree>
-    <p:extLst>
-      <p:ext uri="{BB962C8B-B14F-4D97-AF65-F5344CB8AC3E}">
-        <p14:creationId xmlns:p14="http://schemas.microsoft.com/office/powerpoint/2010/main" val="610401312"/>
-      </p:ext>
-    </p:extLst>
-  </p:cSld>
-  <p:clrMapOvr>
-    <a:masterClrMapping/>
-  </p:clrMapOvr>
-</p:sld>
-</file>
-
-<file path=ppt/slides/slide13.xml><?xml version="1.0" encoding="utf-8"?>
-<p:sld xmlns:a="http://schemas.openxmlformats.org/drawingml/2006/main" xmlns:r="http://schemas.openxmlformats.org/officeDocument/2006/relationships" xmlns:p="http://schemas.openxmlformats.org/presentationml/2006/main">
-  <p:cSld>
-    <p:spTree>
-      <p:nvGrpSpPr>
-        <p:cNvPr id="1" name="">
-          <a:extLst>
-            <a:ext uri="{FF2B5EF4-FFF2-40B4-BE49-F238E27FC236}">
               <a16:creationId xmlns:a16="http://schemas.microsoft.com/office/drawing/2014/main" id="{939D8315-BBFE-60E5-41EE-A101FC36FC89}"/>
             </a:ext>
           </a:extLst>
@@ -7249,7 +5844,7 @@
 </p:sld>
 </file>
 
-<file path=ppt/slides/slide14.xml><?xml version="1.0" encoding="utf-8"?>
+<file path=ppt/slides/slide13.xml><?xml version="1.0" encoding="utf-8"?>
 <p:sld xmlns:a="http://schemas.openxmlformats.org/drawingml/2006/main" xmlns:r="http://schemas.openxmlformats.org/officeDocument/2006/relationships" xmlns:p="http://schemas.openxmlformats.org/presentationml/2006/main">
   <p:cSld>
     <p:spTree>
@@ -7760,7 +6355,7 @@
 </p:sld>
 </file>
 
-<file path=ppt/slides/slide15.xml><?xml version="1.0" encoding="utf-8"?>
+<file path=ppt/slides/slide14.xml><?xml version="1.0" encoding="utf-8"?>
 <p:sld xmlns:a="http://schemas.openxmlformats.org/drawingml/2006/main" xmlns:r="http://schemas.openxmlformats.org/officeDocument/2006/relationships" xmlns:p="http://schemas.openxmlformats.org/presentationml/2006/main">
   <p:cSld>
     <p:spTree>
@@ -8169,7 +6764,7 @@
 </p:sld>
 </file>
 
-<file path=ppt/slides/slide16.xml><?xml version="1.0" encoding="utf-8"?>
+<file path=ppt/slides/slide15.xml><?xml version="1.0" encoding="utf-8"?>
 <p:sld xmlns:a="http://schemas.openxmlformats.org/drawingml/2006/main" xmlns:r="http://schemas.openxmlformats.org/officeDocument/2006/relationships" xmlns:p="http://schemas.openxmlformats.org/presentationml/2006/main">
   <p:cSld>
     <p:spTree>
@@ -8476,7 +7071,7 @@
 </p:sld>
 </file>
 
-<file path=ppt/slides/slide17.xml><?xml version="1.0" encoding="utf-8"?>
+<file path=ppt/slides/slide16.xml><?xml version="1.0" encoding="utf-8"?>
 <p:sld xmlns:a="http://schemas.openxmlformats.org/drawingml/2006/main" xmlns:r="http://schemas.openxmlformats.org/officeDocument/2006/relationships" xmlns:p="http://schemas.openxmlformats.org/presentationml/2006/main">
   <p:cSld>
     <p:spTree>
@@ -12785,8 +11380,8 @@
               <a:t> 해시 코드를 </a:t>
             </a:r>
             <a:r>
-              <a:rPr lang="en-US" altLang="ko-KR" dirty="0" err="1"/>
-              <a:t>outpu</a:t>
+              <a:rPr lang="en-US" altLang="ko-KR" dirty="0"/>
+              <a:t>output</a:t>
             </a:r>
             <a:r>
               <a:rPr lang="ko-KR" altLang="en-US" dirty="0"/>
@@ -13453,7 +12048,7 @@
           <p:spPr>
             <a:xfrm>
               <a:off x="95379" y="550631"/>
-              <a:ext cx="1258816" cy="461665"/>
+              <a:ext cx="2404018" cy="461665"/>
             </a:xfrm>
             <a:prstGeom prst="rect">
               <a:avLst/>
@@ -13473,6 +12068,14 @@
               <a:r>
                 <a:rPr lang="ko-KR" altLang="en-US" sz="2400" b="1" dirty="0" err="1"/>
                 <a:t>체이닝</a:t>
+              </a:r>
+              <a:r>
+                <a:rPr lang="ko-KR" altLang="en-US" sz="2400" b="1" dirty="0"/>
+                <a:t> </a:t>
+              </a:r>
+              <a:r>
+                <a:rPr lang="en-US" altLang="ko-KR" sz="2400" b="1" dirty="0"/>
+                <a:t>(Chaining)</a:t>
               </a:r>
               <a:endParaRPr lang="ko-KR" altLang="en-US" sz="2400" b="1" dirty="0"/>
             </a:p>
@@ -13657,7 +12260,7 @@
         </p:nvSpPr>
         <p:spPr>
           <a:xfrm>
-            <a:off x="6458506" y="3790901"/>
+            <a:off x="7221316" y="3780400"/>
             <a:ext cx="597529" cy="365466"/>
           </a:xfrm>
           <a:prstGeom prst="rect">
@@ -13873,7 +12476,7 @@
         </p:nvSpPr>
         <p:spPr>
           <a:xfrm>
-            <a:off x="7226727" y="3790901"/>
+            <a:off x="7989537" y="3780400"/>
             <a:ext cx="597529" cy="365466"/>
           </a:xfrm>
           <a:prstGeom prst="rect">
@@ -14038,7 +12641,7 @@
         </p:nvCxnSpPr>
         <p:spPr>
           <a:xfrm>
-            <a:off x="7056035" y="3973634"/>
+            <a:off x="7818845" y="3963133"/>
             <a:ext cx="170692" cy="0"/>
           </a:xfrm>
           <a:prstGeom prst="line">
@@ -14152,7 +12755,7 @@
         </p:nvCxnSpPr>
         <p:spPr>
           <a:xfrm>
-            <a:off x="7824255" y="3976717"/>
+            <a:off x="7050624" y="3964307"/>
             <a:ext cx="170692" cy="0"/>
           </a:xfrm>
           <a:prstGeom prst="line">
@@ -14277,7 +12880,7 @@
         </p:nvSpPr>
         <p:spPr>
           <a:xfrm>
-            <a:off x="7994946" y="3793984"/>
+            <a:off x="6453095" y="3791465"/>
             <a:ext cx="597529" cy="365466"/>
           </a:xfrm>
           <a:prstGeom prst="rect">
@@ -14324,7 +12927,7 @@
         </p:nvSpPr>
         <p:spPr>
           <a:xfrm>
-            <a:off x="6876915" y="3413965"/>
+            <a:off x="6402049" y="3431195"/>
             <a:ext cx="1297150" cy="307777"/>
           </a:xfrm>
           <a:prstGeom prst="rect">
@@ -14360,13 +12963,12 @@
           </p:cNvPr>
           <p:cNvCxnSpPr>
             <a:cxnSpLocks/>
-            <a:endCxn id="5" idx="1"/>
           </p:cNvCxnSpPr>
           <p:nvPr/>
         </p:nvCxnSpPr>
         <p:spPr>
           <a:xfrm flipV="1">
-            <a:off x="6249909" y="3973634"/>
+            <a:off x="6230956" y="3973635"/>
             <a:ext cx="208597" cy="1040320"/>
           </a:xfrm>
           <a:prstGeom prst="straightConnector1">
@@ -18963,6 +17565,15 @@
 </file>
 
 <file path=customXml/item1.xml><?xml version="1.0" encoding="utf-8"?>
+<?mso-contentType ?>
+<FormTemplates xmlns="http://schemas.microsoft.com/sharepoint/v3/contenttype/forms">
+  <Display>DocumentLibraryForm</Display>
+  <Edit>DocumentLibraryForm</Edit>
+  <New>DocumentLibraryForm</New>
+</FormTemplates>
+</file>
+
+<file path=customXml/item2.xml><?xml version="1.0" encoding="utf-8"?>
 <ct:contentTypeSchema xmlns:ct="http://schemas.microsoft.com/office/2006/metadata/contentType" xmlns:ma="http://schemas.microsoft.com/office/2006/metadata/properties/metaAttributes" ct:_="" ma:_="" ma:contentTypeName="문서" ma:contentTypeID="0x010100E0465E2B0C07E548AB9127313090A974" ma:contentTypeVersion="9" ma:contentTypeDescription="새 문서를 만듭니다." ma:contentTypeScope="" ma:versionID="a0a996cf172d000d5b846e909b5040af">
   <xsd:schema xmlns:xsd="http://www.w3.org/2001/XMLSchema" xmlns:xs="http://www.w3.org/2001/XMLSchema" xmlns:p="http://schemas.microsoft.com/office/2006/metadata/properties" xmlns:ns3="5928d78e-da8f-420f-aa5d-e7d95386672d" xmlns:ns4="7a1bdf58-423b-415b-ae29-c4fc8e8a0d8d" targetNamespace="http://schemas.microsoft.com/office/2006/metadata/properties" ma:root="true" ma:fieldsID="6de57fa84f1e0a50b90a9f9989a33e62" ns3:_="" ns4:_="">
     <xsd:import namespace="5928d78e-da8f-420f-aa5d-e7d95386672d"/>
@@ -19157,15 +17768,6 @@
 </ct:contentTypeSchema>
 </file>
 
-<file path=customXml/item2.xml><?xml version="1.0" encoding="utf-8"?>
-<?mso-contentType ?>
-<FormTemplates xmlns="http://schemas.microsoft.com/sharepoint/v3/contenttype/forms">
-  <Display>DocumentLibraryForm</Display>
-  <Edit>DocumentLibraryForm</Edit>
-  <New>DocumentLibraryForm</New>
-</FormTemplates>
-</file>
-
 <file path=customXml/item3.xml><?xml version="1.0" encoding="utf-8"?>
 <p:properties xmlns:p="http://schemas.microsoft.com/office/2006/metadata/properties" xmlns:xsi="http://www.w3.org/2001/XMLSchema-instance" xmlns:pc="http://schemas.microsoft.com/office/infopath/2007/PartnerControls">
   <documentManagement>
@@ -19175,6 +17777,14 @@
 </file>
 
 <file path=customXml/itemProps1.xml><?xml version="1.0" encoding="utf-8"?>
+<ds:datastoreItem xmlns:ds="http://schemas.openxmlformats.org/officeDocument/2006/customXml" ds:itemID="{0BE62BE2-79E4-4347-A8D0-5B8C95107426}">
+  <ds:schemaRefs>
+    <ds:schemaRef ds:uri="http://schemas.microsoft.com/sharepoint/v3/contenttype/forms"/>
+  </ds:schemaRefs>
+</ds:datastoreItem>
+</file>
+
+<file path=customXml/itemProps2.xml><?xml version="1.0" encoding="utf-8"?>
 <ds:datastoreItem xmlns:ds="http://schemas.openxmlformats.org/officeDocument/2006/customXml" ds:itemID="{CB3D7751-245D-4BC8-AFEF-1186963464B2}">
   <ds:schemaRefs>
     <ds:schemaRef ds:uri="http://schemas.microsoft.com/office/2006/metadata/contentType"/>
@@ -19189,14 +17799,6 @@
     <ds:schemaRef ds:uri="http://purl.org/dc/elements/1.1/"/>
     <ds:schemaRef ds:uri="http://purl.org/dc/terms/"/>
     <ds:schemaRef ds:uri="http://schemas.microsoft.com/internal/obd"/>
-  </ds:schemaRefs>
-</ds:datastoreItem>
-</file>
-
-<file path=customXml/itemProps2.xml><?xml version="1.0" encoding="utf-8"?>
-<ds:datastoreItem xmlns:ds="http://schemas.openxmlformats.org/officeDocument/2006/customXml" ds:itemID="{0BE62BE2-79E4-4347-A8D0-5B8C95107426}">
-  <ds:schemaRefs>
-    <ds:schemaRef ds:uri="http://schemas.microsoft.com/sharepoint/v3/contenttype/forms"/>
   </ds:schemaRefs>
 </ds:datastoreItem>
 </file>
